--- a/Presentation/The_Logicals_ECE4899_Design_Review2.pptx
+++ b/Presentation/The_Logicals_ECE4899_Design_Review2.pptx
@@ -3663,7 +3663,7 @@
           <a:p>
             <a:fld id="{435793A2-C00B-48F1-8F7C-3BE850BB26D7}" type="datetimeFigureOut">
               <a:rPr lang="en-US" smtClean="0"/>
-              <a:t>2/20/2017</a:t>
+              <a:t>2/23/2017</a:t>
             </a:fld>
             <a:endParaRPr lang="en-US"/>
           </a:p>
@@ -8235,7 +8235,7 @@
         <p:spPr/>
         <p:txBody>
           <a:bodyPr>
-            <a:normAutofit lnSpcReduction="10000"/>
+            <a:normAutofit fontScale="92500" lnSpcReduction="10000"/>
           </a:bodyPr>
           <a:lstStyle/>
           <a:p>
@@ -8248,7 +8248,19 @@
               <a:rPr lang="en-US" dirty="0">
                 <a:latin typeface="+mn-lt"/>
               </a:rPr>
-              <a:t>Two scripts used to connect to the Saturn board for testing and final configuration</a:t>
+              <a:t>Two scripts used to connect to the Saturn board for testing and final configuration in Octave (</a:t>
+            </a:r>
+            <a:r>
+              <a:rPr lang="en-US" dirty="0" err="1">
+                <a:latin typeface="+mn-lt"/>
+              </a:rPr>
+              <a:t>Matlab</a:t>
+            </a:r>
+            <a:r>
+              <a:rPr lang="en-US" dirty="0">
+                <a:latin typeface="+mn-lt"/>
+              </a:rPr>
+              <a:t> Variant)</a:t>
             </a:r>
           </a:p>
           <a:p>
@@ -12182,6 +12194,36 @@
           </a:p>
         </p:txBody>
       </p:sp>
+      <p:pic>
+        <p:nvPicPr>
+          <p:cNvPr id="6" name="Picture 5"/>
+          <p:cNvPicPr>
+            <a:picLocks noChangeAspect="1"/>
+          </p:cNvPicPr>
+          <p:nvPr/>
+        </p:nvPicPr>
+        <p:blipFill>
+          <a:blip r:embed="rId3">
+            <a:extLst>
+              <a:ext uri="{28A0092B-C50C-407E-A947-70E740481C1C}">
+                <a14:useLocalDpi xmlns:a14="http://schemas.microsoft.com/office/drawing/2010/main" val="0"/>
+              </a:ext>
+            </a:extLst>
+          </a:blip>
+          <a:stretch>
+            <a:fillRect/>
+          </a:stretch>
+        </p:blipFill>
+        <p:spPr>
+          <a:xfrm>
+            <a:off x="1968266" y="3810000"/>
+            <a:ext cx="3584576" cy="1253254"/>
+          </a:xfrm>
+          <a:prstGeom prst="rect">
+            <a:avLst/>
+          </a:prstGeom>
+        </p:spPr>
+      </p:pic>
     </p:spTree>
     <p:extLst>
       <p:ext uri="{BB962C8B-B14F-4D97-AF65-F5344CB8AC3E}">
@@ -14446,13 +14488,7 @@
               <a:rPr lang="en-US" dirty="0">
                 <a:latin typeface="+mn-lt"/>
               </a:rPr>
-              <a:t>Proposed Solutions: </a:t>
-            </a:r>
-            <a:r>
-              <a:rPr lang="en-US" dirty="0">
-                <a:latin typeface="+mn-lt"/>
-              </a:rPr>
-              <a:t>Considerations</a:t>
+              <a:t>Proposed Solutions: Considerations</a:t>
             </a:r>
           </a:p>
           <a:p>
@@ -14478,9 +14514,6 @@
               </a:rPr>
               <a:t>Design Progress</a:t>
             </a:r>
-            <a:endParaRPr lang="en-US" dirty="0">
-              <a:latin typeface="+mn-lt"/>
-            </a:endParaRPr>
           </a:p>
           <a:p>
             <a:r>
@@ -14794,13 +14827,7 @@
               <a:rPr lang="en-US" dirty="0">
                 <a:latin typeface="+mn-lt"/>
               </a:rPr>
-              <a:t>Proposed Solutions: </a:t>
-            </a:r>
-            <a:r>
-              <a:rPr lang="en-US" dirty="0">
-                <a:latin typeface="+mn-lt"/>
-              </a:rPr>
-              <a:t>Considerations</a:t>
+              <a:t>Proposed Solutions: Considerations</a:t>
             </a:r>
           </a:p>
           <a:p>
@@ -14826,9 +14853,6 @@
               </a:rPr>
               <a:t>Design Progress</a:t>
             </a:r>
-            <a:endParaRPr lang="en-US" dirty="0">
-              <a:latin typeface="+mn-lt"/>
-            </a:endParaRPr>
           </a:p>
           <a:p>
             <a:r>
@@ -15559,7 +15583,7 @@
               <a:rPr lang="en-US" sz="1800" dirty="0">
                 <a:latin typeface="+mn-lt"/>
               </a:rPr>
-              <a:t>Received and Transmitted Signals from Attenuation Box</a:t>
+              <a:t>Received and Transmitted Signals from RF Down Converter Box</a:t>
             </a:r>
           </a:p>
           <a:p>
@@ -15665,8 +15689,8 @@
         </p:nvSpPr>
         <p:spPr>
           <a:xfrm>
-            <a:off x="1990564" y="3414875"/>
-            <a:ext cx="1482237" cy="2002199"/>
+            <a:off x="1938528" y="3414875"/>
+            <a:ext cx="1534273" cy="2002199"/>
           </a:xfrm>
           <a:prstGeom prst="rect">
             <a:avLst/>
